--- a/git및github첫걸음3-원격저장소이용.pptx
+++ b/git및github첫걸음3-원격저장소이용.pptx
@@ -5,7 +5,7 @@
     <p:sldMasterId id="2147483660" r:id="rId1"/>
   </p:sldMasterIdLst>
   <p:notesMasterIdLst>
-    <p:notesMasterId r:id="rId89"/>
+    <p:notesMasterId r:id="rId90"/>
   </p:notesMasterIdLst>
   <p:sldIdLst>
     <p:sldId id="369" r:id="rId2"/>
@@ -95,6 +95,7 @@
     <p:sldId id="440" r:id="rId86"/>
     <p:sldId id="443" r:id="rId87"/>
     <p:sldId id="444" r:id="rId88"/>
+    <p:sldId id="445" r:id="rId89"/>
   </p:sldIdLst>
   <p:sldSz cx="9144000" cy="6858000" type="screen4x3"/>
   <p:notesSz cx="6858000" cy="9144000"/>
@@ -6180,6 +6181,90 @@
     <p:extLst>
       <p:ext uri="{BB962C8B-B14F-4D97-AF65-F5344CB8AC3E}">
         <p14:creationId xmlns:p14="http://schemas.microsoft.com/office/powerpoint/2010/main" val="1847513981"/>
+      </p:ext>
+    </p:extLst>
+  </p:cSld>
+  <p:clrMapOvr>
+    <a:masterClrMapping/>
+  </p:clrMapOvr>
+</p:notes>
+</file>
+
+<file path=ppt/notesSlides/notesSlide70.xml><?xml version="1.0" encoding="utf-8"?>
+<p:notes xmlns:a="http://schemas.openxmlformats.org/drawingml/2006/main" xmlns:r="http://schemas.openxmlformats.org/officeDocument/2006/relationships" xmlns:p="http://schemas.openxmlformats.org/presentationml/2006/main">
+  <p:cSld>
+    <p:spTree>
+      <p:nvGrpSpPr>
+        <p:cNvPr id="1" name=""/>
+        <p:cNvGrpSpPr/>
+        <p:nvPr/>
+      </p:nvGrpSpPr>
+      <p:grpSpPr>
+        <a:xfrm>
+          <a:off x="0" y="0"/>
+          <a:ext cx="0" cy="0"/>
+          <a:chOff x="0" y="0"/>
+          <a:chExt cx="0" cy="0"/>
+        </a:xfrm>
+      </p:grpSpPr>
+      <p:sp>
+        <p:nvSpPr>
+          <p:cNvPr id="2" name="슬라이드 이미지 개체 틀 1"/>
+          <p:cNvSpPr>
+            <a:spLocks noGrp="1" noRot="1" noChangeAspect="1"/>
+          </p:cNvSpPr>
+          <p:nvPr>
+            <p:ph type="sldImg"/>
+          </p:nvPr>
+        </p:nvSpPr>
+        <p:spPr/>
+      </p:sp>
+      <p:sp>
+        <p:nvSpPr>
+          <p:cNvPr id="3" name="슬라이드 노트 개체 틀 2"/>
+          <p:cNvSpPr>
+            <a:spLocks noGrp="1"/>
+          </p:cNvSpPr>
+          <p:nvPr>
+            <p:ph type="body" idx="1"/>
+          </p:nvPr>
+        </p:nvSpPr>
+        <p:spPr/>
+        <p:txBody>
+          <a:bodyPr/>
+          <a:lstStyle/>
+          <a:p>
+            <a:endParaRPr lang="ko-KR" altLang="en-US" dirty="0"/>
+          </a:p>
+        </p:txBody>
+      </p:sp>
+      <p:sp>
+        <p:nvSpPr>
+          <p:cNvPr id="4" name="슬라이드 번호 개체 틀 3"/>
+          <p:cNvSpPr>
+            <a:spLocks noGrp="1"/>
+          </p:cNvSpPr>
+          <p:nvPr>
+            <p:ph type="sldNum" sz="quarter" idx="10"/>
+          </p:nvPr>
+        </p:nvSpPr>
+        <p:spPr/>
+        <p:txBody>
+          <a:bodyPr/>
+          <a:lstStyle/>
+          <a:p>
+            <a:fld id="{625D4AC4-540A-4436-887D-BF6A8FCF1275}" type="slidenum">
+              <a:rPr lang="ko-KR" altLang="en-US" smtClean="0"/>
+              <a:t>88</a:t>
+            </a:fld>
+            <a:endParaRPr lang="ko-KR" altLang="en-US"/>
+          </a:p>
+        </p:txBody>
+      </p:sp>
+    </p:spTree>
+    <p:extLst>
+      <p:ext uri="{BB962C8B-B14F-4D97-AF65-F5344CB8AC3E}">
+        <p14:creationId xmlns:p14="http://schemas.microsoft.com/office/powerpoint/2010/main" val="2380726390"/>
       </p:ext>
     </p:extLst>
   </p:cSld>
@@ -44670,6 +44755,666 @@
     <p:extLst>
       <p:ext uri="{BB962C8B-B14F-4D97-AF65-F5344CB8AC3E}">
         <p14:creationId xmlns:p14="http://schemas.microsoft.com/office/powerpoint/2010/main" val="1886679413"/>
+      </p:ext>
+    </p:extLst>
+  </p:cSld>
+  <p:clrMapOvr>
+    <a:masterClrMapping/>
+  </p:clrMapOvr>
+  <p:timing>
+    <p:tnLst>
+      <p:par>
+        <p:cTn id="1" dur="indefinite" restart="never" nodeType="tmRoot"/>
+      </p:par>
+    </p:tnLst>
+  </p:timing>
+</p:sld>
+</file>
+
+<file path=ppt/slides/slide88.xml><?xml version="1.0" encoding="utf-8"?>
+<p:sld xmlns:a="http://schemas.openxmlformats.org/drawingml/2006/main" xmlns:r="http://schemas.openxmlformats.org/officeDocument/2006/relationships" xmlns:p="http://schemas.openxmlformats.org/presentationml/2006/main">
+  <p:cSld>
+    <p:spTree>
+      <p:nvGrpSpPr>
+        <p:cNvPr id="1" name=""/>
+        <p:cNvGrpSpPr/>
+        <p:nvPr/>
+      </p:nvGrpSpPr>
+      <p:grpSpPr>
+        <a:xfrm>
+          <a:off x="0" y="0"/>
+          <a:ext cx="0" cy="0"/>
+          <a:chOff x="0" y="0"/>
+          <a:chExt cx="0" cy="0"/>
+        </a:xfrm>
+      </p:grpSpPr>
+      <p:sp>
+        <p:nvSpPr>
+          <p:cNvPr id="7" name="내용 개체 틀 2">
+            <a:extLst>
+              <a:ext uri="{FF2B5EF4-FFF2-40B4-BE49-F238E27FC236}">
+                <a16:creationId xmlns:a16="http://schemas.microsoft.com/office/drawing/2014/main" id="{A44AC902-3746-40D6-9827-94B46EEDDC67}"/>
+              </a:ext>
+            </a:extLst>
+          </p:cNvPr>
+          <p:cNvSpPr txBox="1">
+            <a:spLocks/>
+          </p:cNvSpPr>
+          <p:nvPr/>
+        </p:nvSpPr>
+        <p:spPr>
+          <a:xfrm>
+            <a:off x="341787" y="1120544"/>
+            <a:ext cx="8642350" cy="4513340"/>
+          </a:xfrm>
+          <a:prstGeom prst="rect">
+            <a:avLst/>
+          </a:prstGeom>
+        </p:spPr>
+        <p:txBody>
+          <a:bodyPr vert="horz" lIns="91440" tIns="45720" rIns="91440" bIns="45720" rtlCol="0">
+            <a:noAutofit/>
+          </a:bodyPr>
+          <a:lstStyle>
+            <a:lvl1pPr marL="266700" indent="-266700" defTabSz="914400" latinLnBrk="1">
+              <a:lnSpc>
+                <a:spcPct val="150000"/>
+              </a:lnSpc>
+              <a:spcBef>
+                <a:spcPct val="0"/>
+              </a:spcBef>
+              <a:buClr>
+                <a:schemeClr val="tx1">
+                  <a:lumMod val="65000"/>
+                  <a:lumOff val="35000"/>
+                </a:schemeClr>
+              </a:buClr>
+              <a:buFont typeface="Wingdings" pitchFamily="2" charset="2"/>
+              <a:buChar char="n"/>
+              <a:defRPr sz="2000" b="1">
+                <a:latin typeface="+mn-ea"/>
+              </a:defRPr>
+            </a:lvl1pPr>
+            <a:lvl2pPr marL="447675" lvl="1" indent="-180975" defTabSz="914400" latinLnBrk="1">
+              <a:lnSpc>
+                <a:spcPct val="150000"/>
+              </a:lnSpc>
+              <a:spcBef>
+                <a:spcPts val="0"/>
+              </a:spcBef>
+              <a:spcAft>
+                <a:spcPts val="0"/>
+              </a:spcAft>
+              <a:buClr>
+                <a:schemeClr val="tx1">
+                  <a:lumMod val="50000"/>
+                  <a:lumOff val="50000"/>
+                </a:schemeClr>
+              </a:buClr>
+              <a:buFont typeface="Wingdings" pitchFamily="2" charset="2"/>
+              <a:buChar char="§"/>
+              <a:defRPr sz="1600"/>
+            </a:lvl2pPr>
+            <a:lvl3pPr marL="628650" indent="-180975" defTabSz="914400" latinLnBrk="1">
+              <a:lnSpc>
+                <a:spcPct val="150000"/>
+              </a:lnSpc>
+              <a:spcBef>
+                <a:spcPts val="500"/>
+              </a:spcBef>
+              <a:spcAft>
+                <a:spcPts val="300"/>
+              </a:spcAft>
+              <a:buClr>
+                <a:schemeClr val="tx1">
+                  <a:lumMod val="65000"/>
+                  <a:lumOff val="35000"/>
+                </a:schemeClr>
+              </a:buClr>
+              <a:buFont typeface="Arial" panose="020B0604020202020204" pitchFamily="34" charset="0"/>
+              <a:buChar char="•"/>
+              <a:defRPr sz="1400"/>
+            </a:lvl3pPr>
+            <a:lvl4pPr marL="809625" indent="-180975" defTabSz="914400" latinLnBrk="1">
+              <a:lnSpc>
+                <a:spcPct val="150000"/>
+              </a:lnSpc>
+              <a:spcBef>
+                <a:spcPts val="500"/>
+              </a:spcBef>
+              <a:spcAft>
+                <a:spcPts val="300"/>
+              </a:spcAft>
+              <a:buClr>
+                <a:schemeClr val="tx1">
+                  <a:lumMod val="65000"/>
+                  <a:lumOff val="35000"/>
+                </a:schemeClr>
+              </a:buClr>
+              <a:buSzPct val="96000"/>
+              <a:buFont typeface="Arial" panose="020B0604020202020204" pitchFamily="34" charset="0"/>
+              <a:buChar char="•"/>
+              <a:defRPr sz="1200"/>
+            </a:lvl4pPr>
+            <a:lvl5pPr marL="990600" indent="-180975" defTabSz="914400" latinLnBrk="1">
+              <a:lnSpc>
+                <a:spcPct val="150000"/>
+              </a:lnSpc>
+              <a:spcBef>
+                <a:spcPts val="500"/>
+              </a:spcBef>
+              <a:buClr>
+                <a:schemeClr val="tx1">
+                  <a:lumMod val="65000"/>
+                  <a:lumOff val="35000"/>
+                </a:schemeClr>
+              </a:buClr>
+              <a:buFont typeface="Arial" panose="020B0604020202020204" pitchFamily="34" charset="0"/>
+              <a:buChar char="•"/>
+              <a:defRPr sz="1000"/>
+            </a:lvl5pPr>
+            <a:lvl6pPr marL="2514600" indent="-228600" defTabSz="914400" latinLnBrk="1">
+              <a:lnSpc>
+                <a:spcPct val="90000"/>
+              </a:lnSpc>
+              <a:spcBef>
+                <a:spcPts val="500"/>
+              </a:spcBef>
+              <a:buFont typeface="Arial" panose="020B0604020202020204" pitchFamily="34" charset="0"/>
+              <a:buChar char="•"/>
+            </a:lvl6pPr>
+            <a:lvl7pPr marL="2971800" indent="-228600" defTabSz="914400" latinLnBrk="1">
+              <a:lnSpc>
+                <a:spcPct val="90000"/>
+              </a:lnSpc>
+              <a:spcBef>
+                <a:spcPts val="500"/>
+              </a:spcBef>
+              <a:buFont typeface="Arial" panose="020B0604020202020204" pitchFamily="34" charset="0"/>
+              <a:buChar char="•"/>
+            </a:lvl7pPr>
+            <a:lvl8pPr marL="3429000" indent="-228600" defTabSz="914400" latinLnBrk="1">
+              <a:lnSpc>
+                <a:spcPct val="90000"/>
+              </a:lnSpc>
+              <a:spcBef>
+                <a:spcPts val="500"/>
+              </a:spcBef>
+              <a:buFont typeface="Arial" panose="020B0604020202020204" pitchFamily="34" charset="0"/>
+              <a:buChar char="•"/>
+            </a:lvl8pPr>
+            <a:lvl9pPr marL="3886200" indent="-228600" defTabSz="914400" latinLnBrk="1">
+              <a:lnSpc>
+                <a:spcPct val="90000"/>
+              </a:lnSpc>
+              <a:spcBef>
+                <a:spcPts val="500"/>
+              </a:spcBef>
+              <a:buFont typeface="Arial" panose="020B0604020202020204" pitchFamily="34" charset="0"/>
+              <a:buChar char="•"/>
+            </a:lvl9pPr>
+          </a:lstStyle>
+          <a:p>
+            <a:pPr marL="0" indent="0">
+              <a:buNone/>
+            </a:pPr>
+            <a:r>
+              <a:rPr lang="en-US" altLang="ko-KR" sz="1000" dirty="0" err="1" smtClean="0"/>
+              <a:t>Git</a:t>
+            </a:r>
+            <a:r>
+              <a:rPr lang="en-US" altLang="ko-KR" sz="1000" dirty="0" smtClean="0"/>
+              <a:t> log </a:t>
+            </a:r>
+            <a:r>
+              <a:rPr lang="en-US" altLang="ko-KR" sz="1000" dirty="0" smtClean="0"/>
+              <a:t>–</a:t>
+            </a:r>
+            <a:r>
+              <a:rPr lang="en-US" altLang="ko-KR" sz="1000" dirty="0" err="1" smtClean="0"/>
+              <a:t>oneline</a:t>
+            </a:r>
+            <a:r>
+              <a:rPr lang="en-US" altLang="ko-KR" sz="1000" dirty="0" smtClean="0"/>
+              <a:t> -2 filename</a:t>
+            </a:r>
+          </a:p>
+          <a:p>
+            <a:pPr marL="0" indent="0">
+              <a:buNone/>
+            </a:pPr>
+            <a:r>
+              <a:rPr lang="en-US" altLang="ko-KR" sz="1000" dirty="0" err="1" smtClean="0">
+                <a:latin typeface="+mn-ea"/>
+              </a:rPr>
+              <a:t>Git</a:t>
+            </a:r>
+            <a:r>
+              <a:rPr lang="en-US" altLang="ko-KR" sz="1000" dirty="0" smtClean="0">
+                <a:latin typeface="+mn-ea"/>
+              </a:rPr>
+              <a:t> log –follow – </a:t>
+            </a:r>
+            <a:r>
+              <a:rPr lang="en-US" altLang="ko-KR" sz="1000" dirty="0" smtClean="0"/>
+              <a:t>filename</a:t>
+            </a:r>
+          </a:p>
+          <a:p>
+            <a:pPr marL="0" indent="0">
+              <a:buNone/>
+            </a:pPr>
+            <a:endParaRPr lang="en-US" altLang="ko-KR" sz="1000" dirty="0">
+              <a:latin typeface="+mn-ea"/>
+            </a:endParaRPr>
+          </a:p>
+          <a:p>
+            <a:pPr marL="0" indent="0">
+              <a:buNone/>
+            </a:pPr>
+            <a:endParaRPr lang="en-US" altLang="ko-KR" sz="1000" dirty="0" smtClean="0"/>
+          </a:p>
+          <a:p>
+            <a:pPr marL="0" indent="0">
+              <a:buNone/>
+            </a:pPr>
+            <a:r>
+              <a:rPr lang="en-US" altLang="ko-KR" sz="1000" dirty="0" err="1" smtClean="0">
+                <a:latin typeface="+mn-ea"/>
+              </a:rPr>
+              <a:t>Git</a:t>
+            </a:r>
+            <a:r>
+              <a:rPr lang="en-US" altLang="ko-KR" sz="1000" dirty="0" smtClean="0">
+                <a:latin typeface="+mn-ea"/>
+              </a:rPr>
+              <a:t> checkout –orphan br4</a:t>
+            </a:r>
+          </a:p>
+          <a:p>
+            <a:pPr marL="0" indent="0">
+              <a:buNone/>
+            </a:pPr>
+            <a:r>
+              <a:rPr lang="en-US" altLang="ko-KR" sz="1000" dirty="0" err="1" smtClean="0"/>
+              <a:t>Git</a:t>
+            </a:r>
+            <a:r>
+              <a:rPr lang="en-US" altLang="ko-KR" sz="1000" dirty="0" smtClean="0"/>
+              <a:t> </a:t>
+            </a:r>
+            <a:r>
+              <a:rPr lang="en-US" altLang="ko-KR" sz="1000" dirty="0" err="1" smtClean="0"/>
+              <a:t>rm</a:t>
+            </a:r>
+            <a:r>
+              <a:rPr lang="en-US" altLang="ko-KR" sz="1000" dirty="0" smtClean="0"/>
+              <a:t> –f p1.txt </a:t>
+            </a:r>
+            <a:r>
+              <a:rPr lang="en-US" altLang="ko-KR" sz="1000" dirty="0"/>
+              <a:t>or </a:t>
+            </a:r>
+            <a:r>
+              <a:rPr lang="en-US" altLang="ko-KR" sz="1000" dirty="0" err="1"/>
+              <a:t>git</a:t>
+            </a:r>
+            <a:r>
+              <a:rPr lang="en-US" altLang="ko-KR" sz="1000" dirty="0"/>
+              <a:t> </a:t>
+            </a:r>
+            <a:r>
+              <a:rPr lang="en-US" altLang="ko-KR" sz="1000" dirty="0" err="1"/>
+              <a:t>rm</a:t>
+            </a:r>
+            <a:r>
+              <a:rPr lang="en-US" altLang="ko-KR" sz="1000" dirty="0"/>
+              <a:t> --cached -r </a:t>
+            </a:r>
+            <a:r>
+              <a:rPr lang="en-US" altLang="ko-KR" sz="1000" dirty="0" smtClean="0"/>
+              <a:t>p1.txt</a:t>
+            </a:r>
+          </a:p>
+          <a:p>
+            <a:pPr marL="0" indent="0">
+              <a:buNone/>
+            </a:pPr>
+            <a:r>
+              <a:rPr lang="en-US" altLang="ko-KR" sz="1000" dirty="0" smtClean="0"/>
+              <a:t>Vim p2.txt, commit</a:t>
+            </a:r>
+          </a:p>
+          <a:p>
+            <a:pPr marL="0" indent="0">
+              <a:buNone/>
+            </a:pPr>
+            <a:endParaRPr lang="en-US" altLang="ko-KR" sz="1000" dirty="0">
+              <a:latin typeface="+mn-ea"/>
+            </a:endParaRPr>
+          </a:p>
+          <a:p>
+            <a:pPr marL="0" indent="0">
+              <a:buNone/>
+            </a:pPr>
+            <a:r>
+              <a:rPr lang="en-US" altLang="ko-KR" sz="1000" dirty="0" err="1" smtClean="0"/>
+              <a:t>Git</a:t>
+            </a:r>
+            <a:r>
+              <a:rPr lang="en-US" altLang="ko-KR" sz="1000" dirty="0" smtClean="0"/>
+              <a:t> checkout main</a:t>
+            </a:r>
+          </a:p>
+          <a:p>
+            <a:pPr marL="0" indent="0">
+              <a:buNone/>
+            </a:pPr>
+            <a:r>
+              <a:rPr lang="en-US" altLang="ko-KR" sz="1000" dirty="0" err="1" smtClean="0"/>
+              <a:t>Git</a:t>
+            </a:r>
+            <a:r>
+              <a:rPr lang="en-US" altLang="ko-KR" sz="1000" dirty="0" smtClean="0"/>
+              <a:t> merge br4</a:t>
+            </a:r>
+          </a:p>
+          <a:p>
+            <a:r>
+              <a:rPr lang="en-US" altLang="ko-KR" sz="1000" dirty="0"/>
+              <a:t>$ </a:t>
+            </a:r>
+            <a:r>
+              <a:rPr lang="en-US" altLang="ko-KR" sz="1000" dirty="0" err="1"/>
+              <a:t>git</a:t>
+            </a:r>
+            <a:r>
+              <a:rPr lang="en-US" altLang="ko-KR" sz="1000" dirty="0"/>
+              <a:t> merge br4</a:t>
+            </a:r>
+          </a:p>
+          <a:p>
+            <a:r>
+              <a:rPr lang="en-US" altLang="ko-KR" sz="1000" dirty="0"/>
+              <a:t>fatal: refusing to merge unrelated histories</a:t>
+            </a:r>
+          </a:p>
+          <a:p>
+            <a:pPr marL="0" indent="0">
+              <a:buNone/>
+            </a:pPr>
+            <a:endParaRPr lang="en-US" altLang="ko-KR" sz="1000" dirty="0" smtClean="0">
+              <a:latin typeface="+mn-ea"/>
+            </a:endParaRPr>
+          </a:p>
+          <a:p>
+            <a:pPr marL="0" indent="0">
+              <a:buNone/>
+            </a:pPr>
+            <a:r>
+              <a:rPr lang="ko-KR" altLang="en-US" sz="1000" dirty="0" smtClean="0"/>
+              <a:t>그냥 </a:t>
+            </a:r>
+            <a:r>
+              <a:rPr lang="en-US" altLang="ko-KR" sz="1000" dirty="0" err="1" smtClean="0"/>
+              <a:t>commi</a:t>
+            </a:r>
+            <a:r>
+              <a:rPr lang="ko-KR" altLang="en-US" sz="1000" dirty="0" smtClean="0"/>
+              <a:t>만 </a:t>
+            </a:r>
+            <a:r>
+              <a:rPr lang="en-US" altLang="ko-KR" sz="1000" dirty="0" smtClean="0"/>
+              <a:t>push</a:t>
+            </a:r>
+            <a:r>
+              <a:rPr lang="ko-KR" altLang="en-US" sz="1000" dirty="0" smtClean="0"/>
+              <a:t>하면 어떤가</a:t>
+            </a:r>
+            <a:r>
+              <a:rPr lang="en-US" altLang="ko-KR" sz="1000" dirty="0"/>
+              <a:t>?</a:t>
+            </a:r>
+            <a:endParaRPr lang="en-US" altLang="ko-KR" sz="1000" dirty="0">
+              <a:latin typeface="+mn-ea"/>
+            </a:endParaRPr>
+          </a:p>
+          <a:p>
+            <a:pPr lvl="1"/>
+            <a:endParaRPr lang="en-US" altLang="ko-KR" sz="1000" dirty="0" smtClean="0">
+              <a:latin typeface="+mn-ea"/>
+            </a:endParaRPr>
+          </a:p>
+          <a:p>
+            <a:pPr lvl="1"/>
+            <a:endParaRPr lang="en-US" altLang="ko-KR" sz="1000" dirty="0">
+              <a:latin typeface="+mn-ea"/>
+            </a:endParaRPr>
+          </a:p>
+          <a:p>
+            <a:pPr marL="0" indent="0">
+              <a:buNone/>
+            </a:pPr>
+            <a:r>
+              <a:rPr lang="en-US" altLang="ko-KR" sz="1000" dirty="0" err="1"/>
+              <a:t>Git</a:t>
+            </a:r>
+            <a:r>
+              <a:rPr lang="en-US" altLang="ko-KR" sz="1000" dirty="0"/>
+              <a:t> checkout –orphan br4</a:t>
+            </a:r>
+          </a:p>
+          <a:p>
+            <a:pPr marL="0" indent="0">
+              <a:buNone/>
+            </a:pPr>
+            <a:r>
+              <a:rPr lang="en-US" altLang="ko-KR" sz="1000" dirty="0" err="1" smtClean="0"/>
+              <a:t>git</a:t>
+            </a:r>
+            <a:r>
+              <a:rPr lang="en-US" altLang="ko-KR" sz="1000" dirty="0" smtClean="0"/>
+              <a:t> </a:t>
+            </a:r>
+            <a:r>
+              <a:rPr lang="en-US" altLang="ko-KR" sz="1000" dirty="0" err="1"/>
+              <a:t>rm</a:t>
+            </a:r>
+            <a:r>
+              <a:rPr lang="en-US" altLang="ko-KR" sz="1000" dirty="0"/>
+              <a:t> --cached -r </a:t>
+            </a:r>
+            <a:r>
+              <a:rPr lang="en-US" altLang="ko-KR" sz="1000" dirty="0" smtClean="0"/>
+              <a:t>p1.txt </a:t>
+            </a:r>
+            <a:r>
+              <a:rPr lang="en-US" altLang="ko-KR" sz="1000" dirty="0" smtClean="0">
+                <a:sym typeface="Wingdings" panose="05000000000000000000" pitchFamily="2" charset="2"/>
+              </a:rPr>
+              <a:t> untrack </a:t>
+            </a:r>
+            <a:r>
+              <a:rPr lang="ko-KR" altLang="en-US" sz="1000" dirty="0" smtClean="0">
+                <a:sym typeface="Wingdings" panose="05000000000000000000" pitchFamily="2" charset="2"/>
+              </a:rPr>
+              <a:t>파일 생성</a:t>
+            </a:r>
+            <a:r>
+              <a:rPr lang="en-US" altLang="ko-KR" sz="1000" dirty="0" smtClean="0">
+                <a:sym typeface="Wingdings" panose="05000000000000000000" pitchFamily="2" charset="2"/>
+              </a:rPr>
+              <a:t>(</a:t>
+            </a:r>
+            <a:r>
+              <a:rPr lang="ko-KR" altLang="en-US" sz="1000" dirty="0" smtClean="0">
+                <a:sym typeface="Wingdings" panose="05000000000000000000" pitchFamily="2" charset="2"/>
+              </a:rPr>
+              <a:t>삭제된 </a:t>
+            </a:r>
+            <a:r>
+              <a:rPr lang="ko-KR" altLang="en-US" sz="1000" dirty="0" err="1" smtClean="0">
+                <a:sym typeface="Wingdings" panose="05000000000000000000" pitchFamily="2" charset="2"/>
+              </a:rPr>
+              <a:t>피알</a:t>
+            </a:r>
+            <a:r>
+              <a:rPr lang="en-US" altLang="ko-KR" sz="1000" dirty="0" smtClean="0">
+                <a:sym typeface="Wingdings" panose="05000000000000000000" pitchFamily="2" charset="2"/>
+              </a:rPr>
+              <a:t>)</a:t>
+            </a:r>
+            <a:endParaRPr lang="en-US" altLang="ko-KR" sz="1000" dirty="0"/>
+          </a:p>
+          <a:p>
+            <a:pPr marL="0" indent="0">
+              <a:buNone/>
+            </a:pPr>
+            <a:r>
+              <a:rPr lang="en-US" altLang="ko-KR" sz="1000" dirty="0"/>
+              <a:t>Vim p2.txt, commit</a:t>
+            </a:r>
+          </a:p>
+          <a:p>
+            <a:pPr lvl="1"/>
+            <a:endParaRPr lang="en-US" altLang="ko-KR" sz="1000" dirty="0">
+              <a:latin typeface="+mn-ea"/>
+            </a:endParaRPr>
+          </a:p>
+          <a:p>
+            <a:pPr lvl="1"/>
+            <a:endParaRPr lang="en-US" altLang="ko-KR" sz="1000" dirty="0">
+              <a:latin typeface="+mn-ea"/>
+            </a:endParaRPr>
+          </a:p>
+          <a:p>
+            <a:pPr marL="266700" lvl="1" indent="0">
+              <a:buNone/>
+            </a:pPr>
+            <a:endParaRPr lang="en-US" altLang="ko-KR" sz="1000" dirty="0">
+              <a:latin typeface="+mn-ea"/>
+            </a:endParaRPr>
+          </a:p>
+          <a:p>
+            <a:pPr marL="266700" lvl="1" indent="0">
+              <a:buNone/>
+            </a:pPr>
+            <a:endParaRPr lang="en-US" altLang="ko-KR" sz="1000" dirty="0">
+              <a:latin typeface="+mn-ea"/>
+            </a:endParaRPr>
+          </a:p>
+          <a:p>
+            <a:pPr lvl="1"/>
+            <a:endParaRPr lang="en-US" altLang="ko-KR" sz="1000" dirty="0">
+              <a:latin typeface="+mn-ea"/>
+            </a:endParaRPr>
+          </a:p>
+          <a:p>
+            <a:pPr lvl="1"/>
+            <a:endParaRPr lang="en-US" altLang="ko-KR" sz="1000" dirty="0">
+              <a:latin typeface="+mn-ea"/>
+            </a:endParaRPr>
+          </a:p>
+          <a:p>
+            <a:pPr lvl="1"/>
+            <a:endParaRPr lang="en-US" altLang="ko-KR" sz="1000" dirty="0">
+              <a:latin typeface="+mn-ea"/>
+            </a:endParaRPr>
+          </a:p>
+          <a:p>
+            <a:pPr marL="266700" lvl="1" indent="0">
+              <a:buNone/>
+            </a:pPr>
+            <a:endParaRPr lang="en-US" altLang="ko-KR" sz="1000" dirty="0">
+              <a:latin typeface="+mn-ea"/>
+            </a:endParaRPr>
+          </a:p>
+          <a:p>
+            <a:pPr marL="266700" lvl="1" indent="0">
+              <a:buNone/>
+            </a:pPr>
+            <a:endParaRPr lang="en-US" altLang="ko-KR" sz="1000" dirty="0">
+              <a:latin typeface="+mn-ea"/>
+            </a:endParaRPr>
+          </a:p>
+          <a:p>
+            <a:pPr marL="266700" lvl="1" indent="0">
+              <a:buNone/>
+            </a:pPr>
+            <a:endParaRPr lang="en-US" altLang="ko-KR" sz="1000" dirty="0">
+              <a:latin typeface="+mn-ea"/>
+            </a:endParaRPr>
+          </a:p>
+          <a:p>
+            <a:pPr marL="266700" lvl="1" indent="0">
+              <a:buNone/>
+            </a:pPr>
+            <a:endParaRPr lang="en-US" altLang="ko-KR" sz="1000" dirty="0">
+              <a:latin typeface="+mn-ea"/>
+            </a:endParaRPr>
+          </a:p>
+          <a:p>
+            <a:pPr marL="266700" lvl="1" indent="0">
+              <a:buNone/>
+            </a:pPr>
+            <a:endParaRPr lang="en-US" altLang="ko-KR" sz="1000" dirty="0">
+              <a:latin typeface="+mn-ea"/>
+            </a:endParaRPr>
+          </a:p>
+          <a:p>
+            <a:pPr marL="266700" lvl="1" indent="0">
+              <a:buNone/>
+            </a:pPr>
+            <a:endParaRPr lang="en-US" altLang="ko-KR" sz="1000" dirty="0">
+              <a:latin typeface="+mn-ea"/>
+            </a:endParaRPr>
+          </a:p>
+        </p:txBody>
+      </p:sp>
+      <p:sp>
+        <p:nvSpPr>
+          <p:cNvPr id="4" name="제목 3">
+            <a:extLst>
+              <a:ext uri="{FF2B5EF4-FFF2-40B4-BE49-F238E27FC236}">
+                <a16:creationId xmlns:a16="http://schemas.microsoft.com/office/drawing/2014/main" id="{F0CEB32B-CB43-4410-BA08-A97E4BC47FCB}"/>
+              </a:ext>
+            </a:extLst>
+          </p:cNvPr>
+          <p:cNvSpPr>
+            <a:spLocks noGrp="1"/>
+          </p:cNvSpPr>
+          <p:nvPr>
+            <p:ph type="title"/>
+          </p:nvPr>
+        </p:nvSpPr>
+        <p:spPr>
+          <a:xfrm>
+            <a:off x="539551" y="192300"/>
+            <a:ext cx="8244853" cy="576064"/>
+          </a:xfrm>
+        </p:spPr>
+        <p:txBody>
+          <a:bodyPr>
+            <a:normAutofit/>
+          </a:bodyPr>
+          <a:lstStyle/>
+          <a:p>
+            <a:r>
+              <a:rPr lang="en-US" altLang="ko-KR" dirty="0" smtClean="0"/>
+              <a:t>Cherry pick</a:t>
+            </a:r>
+            <a:r>
+              <a:rPr lang="ko-KR" altLang="en-US" dirty="0" smtClean="0"/>
+              <a:t>하기</a:t>
+            </a:r>
+            <a:endParaRPr lang="ko-KR" altLang="en-US" dirty="0"/>
+          </a:p>
+        </p:txBody>
+      </p:sp>
+    </p:spTree>
+    <p:extLst>
+      <p:ext uri="{BB962C8B-B14F-4D97-AF65-F5344CB8AC3E}">
+        <p14:creationId xmlns:p14="http://schemas.microsoft.com/office/powerpoint/2010/main" val="3626630410"/>
       </p:ext>
     </p:extLst>
   </p:cSld>

--- a/git및github첫걸음3-원격저장소이용.pptx
+++ b/git및github첫걸음3-원격저장소이용.pptx
@@ -8673,7 +8673,7 @@
                 <a:hlinkClick r:id="rId3">
                   <a:extLst>
                     <a:ext uri="{A12FA001-AC4F-418D-AE19-62706E023703}">
-                      <ahyp:hlinkClr xmlns="" xmlns:ahyp="http://schemas.microsoft.com/office/drawing/2018/hyperlinkcolor" val="tx"/>
+                      <ahyp:hlinkClr xmlns:ahyp="http://schemas.microsoft.com/office/drawing/2018/hyperlinkcolor" xmlns="" val="tx"/>
                     </a:ext>
                   </a:extLst>
                 </a:hlinkClick>
@@ -44804,8 +44804,8 @@
         </p:nvSpPr>
         <p:spPr>
           <a:xfrm>
-            <a:off x="341787" y="1120544"/>
-            <a:ext cx="8642350" cy="4513340"/>
+            <a:off x="341787" y="1120543"/>
+            <a:ext cx="8642350" cy="5083611"/>
           </a:xfrm>
           <a:prstGeom prst="rect">
             <a:avLst/>
@@ -44964,11 +44964,7 @@
             </a:r>
             <a:r>
               <a:rPr lang="en-US" altLang="ko-KR" sz="1000" dirty="0" smtClean="0"/>
-              <a:t> log </a:t>
-            </a:r>
-            <a:r>
-              <a:rPr lang="en-US" altLang="ko-KR" sz="1000" dirty="0" smtClean="0"/>
-              <a:t>–</a:t>
+              <a:t> log –</a:t>
             </a:r>
             <a:r>
               <a:rPr lang="en-US" altLang="ko-KR" sz="1000" dirty="0" err="1" smtClean="0"/>
@@ -45264,6 +45260,74 @@
               </a:rPr>
               <a:t>)</a:t>
             </a:r>
+          </a:p>
+          <a:p>
+            <a:pPr marL="0" indent="0">
+              <a:buNone/>
+            </a:pPr>
+            <a:r>
+              <a:rPr lang="ko-KR" altLang="en-US" sz="1000" dirty="0" smtClean="0"/>
+              <a:t>폴더에서 </a:t>
+            </a:r>
+            <a:r>
+              <a:rPr lang="ko-KR" altLang="en-US" sz="1000" dirty="0" err="1" smtClean="0"/>
+              <a:t>파일삭제</a:t>
+            </a:r>
+            <a:r>
+              <a:rPr lang="en-US" altLang="ko-KR" sz="1000" dirty="0" smtClean="0"/>
+              <a:t>.</a:t>
+            </a:r>
+          </a:p>
+          <a:p>
+            <a:pPr marL="0" indent="0">
+              <a:buNone/>
+            </a:pPr>
+            <a:r>
+              <a:rPr lang="en-US" altLang="ko-KR" sz="1000" dirty="0" err="1" smtClean="0"/>
+              <a:t>Git</a:t>
+            </a:r>
+            <a:r>
+              <a:rPr lang="en-US" altLang="ko-KR" sz="1000" dirty="0" smtClean="0"/>
+              <a:t> add p2.txt </a:t>
+            </a:r>
+            <a:r>
+              <a:rPr lang="en-US" altLang="ko-KR" sz="1000" dirty="0" err="1" smtClean="0"/>
+              <a:t>git</a:t>
+            </a:r>
+            <a:r>
+              <a:rPr lang="en-US" altLang="ko-KR" sz="1000" dirty="0" smtClean="0"/>
+              <a:t> commit p2.txt –m ‘message’ main</a:t>
+            </a:r>
+            <a:r>
+              <a:rPr lang="ko-KR" altLang="en-US" sz="1000" dirty="0" smtClean="0"/>
+              <a:t>에서도 삭제됨</a:t>
+            </a:r>
+            <a:r>
+              <a:rPr lang="en-US" altLang="ko-KR" sz="1000" dirty="0" smtClean="0"/>
+              <a:t>, </a:t>
+            </a:r>
+            <a:r>
+              <a:rPr lang="ko-KR" altLang="en-US" sz="1000" dirty="0" smtClean="0"/>
+              <a:t>그래서 </a:t>
+            </a:r>
+            <a:r>
+              <a:rPr lang="en-US" altLang="ko-KR" sz="1000" dirty="0" smtClean="0"/>
+              <a:t>rebase</a:t>
+            </a:r>
+            <a:r>
+              <a:rPr lang="ko-KR" altLang="en-US" sz="1000" dirty="0" smtClean="0"/>
+              <a:t>하고 올려놓으면 됨</a:t>
+            </a:r>
+            <a:r>
+              <a:rPr lang="en-US" altLang="ko-KR" sz="1000" smtClean="0"/>
+              <a:t>.</a:t>
+            </a:r>
+            <a:endParaRPr lang="en-US" altLang="ko-KR" sz="1000" dirty="0" smtClean="0"/>
+          </a:p>
+          <a:p>
+            <a:pPr marL="0" indent="0">
+              <a:buNone/>
+            </a:pPr>
             <a:endParaRPr lang="en-US" altLang="ko-KR" sz="1000" dirty="0"/>
           </a:p>
           <a:p>
